--- a/RETEX/projet Base de donnée.pptx
+++ b/RETEX/projet Base de donnée.pptx
@@ -2936,9 +2936,15 @@
   <p:cSld>
     <p:bg>
       <p:bgPr>
-        <a:solidFill>
-          <a:schemeClr val="tx1"/>
-        </a:solidFill>
+        <a:blipFill dpi="0" rotWithShape="1">
+          <a:blip r:embed="rId2">
+            <a:lum/>
+          </a:blip>
+          <a:srcRect/>
+          <a:stretch>
+            <a:fillRect/>
+          </a:stretch>
+        </a:blipFill>
         <a:effectLst/>
       </p:bgPr>
     </p:bg>
@@ -3225,7 +3231,7 @@
           <a:lstStyle/>
           <a:p>
             <a:r>
-              <a:rPr lang="fr-FR" sz="3600" b="1" dirty="0" smtClean="0">
+              <a:rPr lang="fr-FR" sz="3600" b="1" dirty="0">
                 <a:solidFill>
                   <a:schemeClr val="bg1"/>
                 </a:solidFill>
@@ -3316,7 +3322,7 @@
           <a:p>
             <a:pPr algn="ctr"/>
             <a:r>
-              <a:rPr lang="fr-FR" b="0" i="0" dirty="0" smtClean="0">
+              <a:rPr lang="fr-FR" b="0" i="0" dirty="0">
                 <a:solidFill>
                   <a:schemeClr val="bg1"/>
                 </a:solidFill>
@@ -3326,7 +3332,7 @@
               <a:t>Lors de ce projet nous devions par binôme</a:t>
             </a:r>
             <a:r>
-              <a:rPr lang="fr-FR" dirty="0" smtClean="0">
+              <a:rPr lang="fr-FR" dirty="0">
                 <a:solidFill>
                   <a:schemeClr val="bg1"/>
                 </a:solidFill>
@@ -3335,7 +3341,7 @@
               <a:t>, créer une base de donnée pour une entreprise de vente de vins du nom de </a:t>
             </a:r>
             <a:r>
-              <a:rPr lang="fr-FR" dirty="0" err="1" smtClean="0">
+              <a:rPr lang="fr-FR" dirty="0" err="1">
                 <a:solidFill>
                   <a:schemeClr val="bg1"/>
                 </a:solidFill>
@@ -3344,7 +3350,7 @@
               <a:t>Graves&amp;Cie</a:t>
             </a:r>
             <a:r>
-              <a:rPr lang="fr-FR" dirty="0" smtClean="0">
+              <a:rPr lang="fr-FR" dirty="0">
                 <a:solidFill>
                   <a:schemeClr val="bg1"/>
                 </a:solidFill>
@@ -3356,28 +3362,14 @@
           <a:p>
             <a:pPr algn="ctr"/>
             <a:r>
-              <a:rPr lang="fr-FR" dirty="0" smtClean="0">
+              <a:rPr lang="fr-FR" dirty="0">
                 <a:solidFill>
                   <a:schemeClr val="bg1"/>
                 </a:solidFill>
                 <a:latin typeface="Poppins"/>
               </a:rPr>
-              <a:t>Nous devions ensuite leur créer </a:t>
-            </a:r>
-            <a:r>
-              <a:rPr lang="fr-FR" dirty="0" smtClean="0">
-                <a:solidFill>
-                  <a:schemeClr val="bg1"/>
-                </a:solidFill>
-              </a:rPr>
-              <a:t>interface afin de faciliter leur utilisation de la base de donnée.</a:t>
-            </a:r>
-            <a:endParaRPr lang="fr-FR" dirty="0" smtClean="0">
-              <a:solidFill>
-                <a:schemeClr val="bg1"/>
-              </a:solidFill>
-              <a:latin typeface="Poppins"/>
-            </a:endParaRPr>
+              <a:t>Nous devions ensuite leur créer interface afin de faciliter leur utilisation de la base de donnée.</a:t>
+            </a:r>
           </a:p>
         </p:txBody>
       </p:sp>
@@ -3414,7 +3406,7 @@
           <a:p>
             <a:pPr algn="ctr"/>
             <a:r>
-              <a:rPr lang="fr-FR" dirty="0" smtClean="0">
+              <a:rPr lang="fr-FR" dirty="0">
                 <a:solidFill>
                   <a:schemeClr val="bg1"/>
                 </a:solidFill>
@@ -3423,7 +3415,7 @@
               <a:t>Nous avons utilisé pour la base de donnée le langage </a:t>
             </a:r>
             <a:r>
-              <a:rPr lang="fr-FR" b="1" u="sng" dirty="0" smtClean="0">
+              <a:rPr lang="fr-FR" b="1" u="sng" dirty="0">
                 <a:solidFill>
                   <a:schemeClr val="bg1"/>
                 </a:solidFill>
@@ -3432,7 +3424,7 @@
               <a:t>SQL Server </a:t>
             </a:r>
             <a:r>
-              <a:rPr lang="fr-FR" dirty="0" smtClean="0">
+              <a:rPr lang="fr-FR" dirty="0">
                 <a:solidFill>
                   <a:schemeClr val="bg1"/>
                 </a:solidFill>
@@ -3441,7 +3433,7 @@
               <a:t>et pour l’interface une maquette sur </a:t>
             </a:r>
             <a:r>
-              <a:rPr lang="fr-FR" b="1" u="sng" dirty="0" err="1" smtClean="0">
+              <a:rPr lang="fr-FR" b="1" u="sng" dirty="0" err="1">
                 <a:solidFill>
                   <a:schemeClr val="bg1"/>
                 </a:solidFill>
@@ -3481,7 +3473,7 @@
         <p:spPr>
           <a:xfrm>
             <a:off x="6113083" y="1570048"/>
-            <a:ext cx="6074763" cy="923330"/>
+            <a:ext cx="6074763" cy="1200329"/>
           </a:xfrm>
           <a:prstGeom prst="rect">
             <a:avLst/>
@@ -3499,18 +3491,14 @@
           <a:p>
             <a:pPr algn="ctr"/>
             <a:r>
-              <a:rPr lang="fr-FR" dirty="0" smtClean="0">
+              <a:rPr lang="fr-FR" dirty="0">
                 <a:solidFill>
                   <a:schemeClr val="bg1"/>
                 </a:solidFill>
+                <a:latin typeface="Poppins"/>
               </a:rPr>
               <a:t>Lors de ce projet nous nous sommes amélioré dans la création de base de données et en interface graphique mais surtout en satisfaction de demande client.</a:t>
             </a:r>
-            <a:endParaRPr lang="fr-FR" dirty="0">
-              <a:solidFill>
-                <a:schemeClr val="bg1"/>
-              </a:solidFill>
-            </a:endParaRPr>
           </a:p>
         </p:txBody>
       </p:sp>
@@ -3523,7 +3511,7 @@
           <p:nvPr/>
         </p:nvPicPr>
         <p:blipFill>
-          <a:blip r:embed="rId2" cstate="print">
+          <a:blip r:embed="rId3" cstate="print">
             <a:extLst>
               <a:ext uri="{28A0092B-C50C-407E-A947-70E740481C1C}">
                 <a14:useLocalDpi xmlns:a14="http://schemas.microsoft.com/office/drawing/2010/main" val="0"/>
@@ -3537,7 +3525,7 @@
         </p:blipFill>
         <p:spPr bwMode="auto">
           <a:xfrm>
-            <a:off x="2531917" y="4772458"/>
+            <a:off x="2456416" y="4988278"/>
             <a:ext cx="3317875" cy="885948"/>
           </a:xfrm>
           <a:prstGeom prst="rect">
@@ -3564,7 +3552,7 @@
           <p:nvPr/>
         </p:nvPicPr>
         <p:blipFill>
-          <a:blip r:embed="rId3">
+          <a:blip r:embed="rId4">
             <a:extLst>
               <a:ext uri="{28A0092B-C50C-407E-A947-70E740481C1C}">
                 <a14:useLocalDpi xmlns:a14="http://schemas.microsoft.com/office/drawing/2010/main" val="0"/>
@@ -3577,7 +3565,7 @@
         </p:blipFill>
         <p:spPr>
           <a:xfrm>
-            <a:off x="-3247" y="5005268"/>
+            <a:off x="-95526" y="5103876"/>
             <a:ext cx="3718551" cy="1953723"/>
           </a:xfrm>
           <a:prstGeom prst="rect">
@@ -3594,14 +3582,14 @@
           <p:nvPr/>
         </p:nvPicPr>
         <p:blipFill>
-          <a:blip r:embed="rId4"/>
+          <a:blip r:embed="rId5"/>
           <a:stretch>
             <a:fillRect/>
           </a:stretch>
         </p:blipFill>
         <p:spPr>
           <a:xfrm>
-            <a:off x="6129477" y="5303479"/>
+            <a:off x="6130155" y="5303482"/>
             <a:ext cx="3424189" cy="1554518"/>
           </a:xfrm>
           <a:prstGeom prst="rect">
@@ -3618,7 +3606,7 @@
           <p:nvPr/>
         </p:nvPicPr>
         <p:blipFill>
-          <a:blip r:embed="rId5"/>
+          <a:blip r:embed="rId6"/>
           <a:stretch>
             <a:fillRect/>
           </a:stretch>
